--- a/_Experiments/_PROTOCOLs/_Surgery/_templates/RPC-EMG layout.pptx
+++ b/_Experiments/_PROTOCOLs/_Surgery/_templates/RPC-EMG layout.pptx
@@ -192,7 +192,7 @@
           <a:p>
             <a:fld id="{46F8F2C1-8A14-4773-BC69-077AA6BEF8AA}" type="datetimeFigureOut">
               <a:rPr lang="en-US" smtClean="0"/>
-              <a:t>9/16/2016</a:t>
+              <a:t>9/22/2016</a:t>
             </a:fld>
             <a:endParaRPr lang="en-US"/>
           </a:p>
@@ -725,7 +725,7 @@
           <a:p>
             <a:fld id="{A4E24B33-863B-4BDB-B3BB-1315F1051867}" type="datetimeFigureOut">
               <a:rPr lang="en-US" smtClean="0"/>
-              <a:t>9/16/2016</a:t>
+              <a:t>9/22/2016</a:t>
             </a:fld>
             <a:endParaRPr lang="en-US"/>
           </a:p>
@@ -895,7 +895,7 @@
           <a:p>
             <a:fld id="{A4E24B33-863B-4BDB-B3BB-1315F1051867}" type="datetimeFigureOut">
               <a:rPr lang="en-US" smtClean="0"/>
-              <a:t>9/16/2016</a:t>
+              <a:t>9/22/2016</a:t>
             </a:fld>
             <a:endParaRPr lang="en-US"/>
           </a:p>
@@ -1075,7 +1075,7 @@
           <a:p>
             <a:fld id="{A4E24B33-863B-4BDB-B3BB-1315F1051867}" type="datetimeFigureOut">
               <a:rPr lang="en-US" smtClean="0"/>
-              <a:t>9/16/2016</a:t>
+              <a:t>9/22/2016</a:t>
             </a:fld>
             <a:endParaRPr lang="en-US"/>
           </a:p>
@@ -1245,7 +1245,7 @@
           <a:p>
             <a:fld id="{A4E24B33-863B-4BDB-B3BB-1315F1051867}" type="datetimeFigureOut">
               <a:rPr lang="en-US" smtClean="0"/>
-              <a:t>9/16/2016</a:t>
+              <a:t>9/22/2016</a:t>
             </a:fld>
             <a:endParaRPr lang="en-US"/>
           </a:p>
@@ -1491,7 +1491,7 @@
           <a:p>
             <a:fld id="{A4E24B33-863B-4BDB-B3BB-1315F1051867}" type="datetimeFigureOut">
               <a:rPr lang="en-US" smtClean="0"/>
-              <a:t>9/16/2016</a:t>
+              <a:t>9/22/2016</a:t>
             </a:fld>
             <a:endParaRPr lang="en-US"/>
           </a:p>
@@ -1779,7 +1779,7 @@
           <a:p>
             <a:fld id="{A4E24B33-863B-4BDB-B3BB-1315F1051867}" type="datetimeFigureOut">
               <a:rPr lang="en-US" smtClean="0"/>
-              <a:t>9/16/2016</a:t>
+              <a:t>9/22/2016</a:t>
             </a:fld>
             <a:endParaRPr lang="en-US"/>
           </a:p>
@@ -2201,7 +2201,7 @@
           <a:p>
             <a:fld id="{A4E24B33-863B-4BDB-B3BB-1315F1051867}" type="datetimeFigureOut">
               <a:rPr lang="en-US" smtClean="0"/>
-              <a:t>9/16/2016</a:t>
+              <a:t>9/22/2016</a:t>
             </a:fld>
             <a:endParaRPr lang="en-US"/>
           </a:p>
@@ -2319,7 +2319,7 @@
           <a:p>
             <a:fld id="{A4E24B33-863B-4BDB-B3BB-1315F1051867}" type="datetimeFigureOut">
               <a:rPr lang="en-US" smtClean="0"/>
-              <a:t>9/16/2016</a:t>
+              <a:t>9/22/2016</a:t>
             </a:fld>
             <a:endParaRPr lang="en-US"/>
           </a:p>
@@ -2414,7 +2414,7 @@
           <a:p>
             <a:fld id="{A4E24B33-863B-4BDB-B3BB-1315F1051867}" type="datetimeFigureOut">
               <a:rPr lang="en-US" smtClean="0"/>
-              <a:t>9/16/2016</a:t>
+              <a:t>9/22/2016</a:t>
             </a:fld>
             <a:endParaRPr lang="en-US"/>
           </a:p>
@@ -2691,7 +2691,7 @@
           <a:p>
             <a:fld id="{A4E24B33-863B-4BDB-B3BB-1315F1051867}" type="datetimeFigureOut">
               <a:rPr lang="en-US" smtClean="0"/>
-              <a:t>9/16/2016</a:t>
+              <a:t>9/22/2016</a:t>
             </a:fld>
             <a:endParaRPr lang="en-US"/>
           </a:p>
@@ -2944,7 +2944,7 @@
           <a:p>
             <a:fld id="{A4E24B33-863B-4BDB-B3BB-1315F1051867}" type="datetimeFigureOut">
               <a:rPr lang="en-US" smtClean="0"/>
-              <a:t>9/16/2016</a:t>
+              <a:t>9/22/2016</a:t>
             </a:fld>
             <a:endParaRPr lang="en-US"/>
           </a:p>
@@ -3157,7 +3157,7 @@
           <a:p>
             <a:fld id="{A4E24B33-863B-4BDB-B3BB-1315F1051867}" type="datetimeFigureOut">
               <a:rPr lang="en-US" smtClean="0"/>
-              <a:t>9/16/2016</a:t>
+              <a:t>9/22/2016</a:t>
             </a:fld>
             <a:endParaRPr lang="en-US"/>
           </a:p>
@@ -4549,7 +4549,7 @@
           </p:nvSpPr>
           <p:spPr>
             <a:xfrm>
-              <a:off x="2438400" y="2743200"/>
+              <a:off x="2438400" y="3533001"/>
               <a:ext cx="389850" cy="276999"/>
             </a:xfrm>
             <a:prstGeom prst="rect">
@@ -4648,7 +4648,7 @@
           </p:nvSpPr>
           <p:spPr>
             <a:xfrm>
-              <a:off x="1676400" y="2743200"/>
+              <a:off x="1676400" y="3533001"/>
               <a:ext cx="389850" cy="276999"/>
             </a:xfrm>
             <a:prstGeom prst="rect">

--- a/_Experiments/_PROTOCOLs/_Surgery/_templates/RPC-EMG layout.pptx
+++ b/_Experiments/_PROTOCOLs/_Surgery/_templates/RPC-EMG layout.pptx
@@ -192,7 +192,7 @@
           <a:p>
             <a:fld id="{46F8F2C1-8A14-4773-BC69-077AA6BEF8AA}" type="datetimeFigureOut">
               <a:rPr lang="en-US" smtClean="0"/>
-              <a:t>9/22/2016</a:t>
+              <a:t>11/3/2016</a:t>
             </a:fld>
             <a:endParaRPr lang="en-US"/>
           </a:p>
@@ -725,7 +725,7 @@
           <a:p>
             <a:fld id="{A4E24B33-863B-4BDB-B3BB-1315F1051867}" type="datetimeFigureOut">
               <a:rPr lang="en-US" smtClean="0"/>
-              <a:t>9/22/2016</a:t>
+              <a:t>11/3/2016</a:t>
             </a:fld>
             <a:endParaRPr lang="en-US"/>
           </a:p>
@@ -895,7 +895,7 @@
           <a:p>
             <a:fld id="{A4E24B33-863B-4BDB-B3BB-1315F1051867}" type="datetimeFigureOut">
               <a:rPr lang="en-US" smtClean="0"/>
-              <a:t>9/22/2016</a:t>
+              <a:t>11/3/2016</a:t>
             </a:fld>
             <a:endParaRPr lang="en-US"/>
           </a:p>
@@ -1075,7 +1075,7 @@
           <a:p>
             <a:fld id="{A4E24B33-863B-4BDB-B3BB-1315F1051867}" type="datetimeFigureOut">
               <a:rPr lang="en-US" smtClean="0"/>
-              <a:t>9/22/2016</a:t>
+              <a:t>11/3/2016</a:t>
             </a:fld>
             <a:endParaRPr lang="en-US"/>
           </a:p>
@@ -1245,7 +1245,7 @@
           <a:p>
             <a:fld id="{A4E24B33-863B-4BDB-B3BB-1315F1051867}" type="datetimeFigureOut">
               <a:rPr lang="en-US" smtClean="0"/>
-              <a:t>9/22/2016</a:t>
+              <a:t>11/3/2016</a:t>
             </a:fld>
             <a:endParaRPr lang="en-US"/>
           </a:p>
@@ -1491,7 +1491,7 @@
           <a:p>
             <a:fld id="{A4E24B33-863B-4BDB-B3BB-1315F1051867}" type="datetimeFigureOut">
               <a:rPr lang="en-US" smtClean="0"/>
-              <a:t>9/22/2016</a:t>
+              <a:t>11/3/2016</a:t>
             </a:fld>
             <a:endParaRPr lang="en-US"/>
           </a:p>
@@ -1779,7 +1779,7 @@
           <a:p>
             <a:fld id="{A4E24B33-863B-4BDB-B3BB-1315F1051867}" type="datetimeFigureOut">
               <a:rPr lang="en-US" smtClean="0"/>
-              <a:t>9/22/2016</a:t>
+              <a:t>11/3/2016</a:t>
             </a:fld>
             <a:endParaRPr lang="en-US"/>
           </a:p>
@@ -2201,7 +2201,7 @@
           <a:p>
             <a:fld id="{A4E24B33-863B-4BDB-B3BB-1315F1051867}" type="datetimeFigureOut">
               <a:rPr lang="en-US" smtClean="0"/>
-              <a:t>9/22/2016</a:t>
+              <a:t>11/3/2016</a:t>
             </a:fld>
             <a:endParaRPr lang="en-US"/>
           </a:p>
@@ -2319,7 +2319,7 @@
           <a:p>
             <a:fld id="{A4E24B33-863B-4BDB-B3BB-1315F1051867}" type="datetimeFigureOut">
               <a:rPr lang="en-US" smtClean="0"/>
-              <a:t>9/22/2016</a:t>
+              <a:t>11/3/2016</a:t>
             </a:fld>
             <a:endParaRPr lang="en-US"/>
           </a:p>
@@ -2414,7 +2414,7 @@
           <a:p>
             <a:fld id="{A4E24B33-863B-4BDB-B3BB-1315F1051867}" type="datetimeFigureOut">
               <a:rPr lang="en-US" smtClean="0"/>
-              <a:t>9/22/2016</a:t>
+              <a:t>11/3/2016</a:t>
             </a:fld>
             <a:endParaRPr lang="en-US"/>
           </a:p>
@@ -2691,7 +2691,7 @@
           <a:p>
             <a:fld id="{A4E24B33-863B-4BDB-B3BB-1315F1051867}" type="datetimeFigureOut">
               <a:rPr lang="en-US" smtClean="0"/>
-              <a:t>9/22/2016</a:t>
+              <a:t>11/3/2016</a:t>
             </a:fld>
             <a:endParaRPr lang="en-US"/>
           </a:p>
@@ -2944,7 +2944,7 @@
           <a:p>
             <a:fld id="{A4E24B33-863B-4BDB-B3BB-1315F1051867}" type="datetimeFigureOut">
               <a:rPr lang="en-US" smtClean="0"/>
-              <a:t>9/22/2016</a:t>
+              <a:t>11/3/2016</a:t>
             </a:fld>
             <a:endParaRPr lang="en-US"/>
           </a:p>
@@ -3157,7 +3157,7 @@
           <a:p>
             <a:fld id="{A4E24B33-863B-4BDB-B3BB-1315F1051867}" type="datetimeFigureOut">
               <a:rPr lang="en-US" smtClean="0"/>
-              <a:t>9/22/2016</a:t>
+              <a:t>11/3/2016</a:t>
             </a:fld>
             <a:endParaRPr lang="en-US"/>
           </a:p>
@@ -4774,6 +4774,77 @@
           </a:p>
         </p:txBody>
       </p:sp>
+      <p:sp>
+        <p:nvSpPr>
+          <p:cNvPr id="3" name="TextBox 2"/>
+          <p:cNvSpPr txBox="1"/>
+          <p:nvPr/>
+        </p:nvSpPr>
+        <p:spPr>
+          <a:xfrm>
+            <a:off x="3623809" y="1211646"/>
+            <a:ext cx="998991" cy="307777"/>
+          </a:xfrm>
+          <a:prstGeom prst="rect">
+            <a:avLst/>
+          </a:prstGeom>
+          <a:noFill/>
+        </p:spPr>
+        <p:txBody>
+          <a:bodyPr wrap="none" rtlCol="0">
+            <a:spAutoFit/>
+          </a:bodyPr>
+          <a:lstStyle/>
+          <a:p>
+            <a:r>
+              <a:rPr lang="en-US" sz="1400" b="1" dirty="0" smtClean="0">
+                <a:latin typeface="Arial" panose="020B0604020202020204" pitchFamily="34" charset="0"/>
+                <a:cs typeface="Arial" panose="020B0604020202020204" pitchFamily="34" charset="0"/>
+              </a:rPr>
+              <a:t>White out</a:t>
+            </a:r>
+            <a:endParaRPr lang="en-US" sz="1400" b="1" dirty="0">
+              <a:latin typeface="Arial" panose="020B0604020202020204" pitchFamily="34" charset="0"/>
+              <a:cs typeface="Arial" panose="020B0604020202020204" pitchFamily="34" charset="0"/>
+            </a:endParaRPr>
+          </a:p>
+        </p:txBody>
+      </p:sp>
+      <p:cxnSp>
+        <p:nvCxnSpPr>
+          <p:cNvPr id="16" name="Straight Arrow Connector 15"/>
+          <p:cNvCxnSpPr>
+            <a:stCxn id="3" idx="3"/>
+          </p:cNvCxnSpPr>
+          <p:nvPr/>
+        </p:nvCxnSpPr>
+        <p:spPr>
+          <a:xfrm flipV="1">
+            <a:off x="4622800" y="978932"/>
+            <a:ext cx="406400" cy="386603"/>
+          </a:xfrm>
+          <a:prstGeom prst="straightConnector1">
+            <a:avLst/>
+          </a:prstGeom>
+          <a:ln w="28575">
+            <a:tailEnd type="arrow"/>
+          </a:ln>
+        </p:spPr>
+        <p:style>
+          <a:lnRef idx="1">
+            <a:schemeClr val="dk1"/>
+          </a:lnRef>
+          <a:fillRef idx="0">
+            <a:schemeClr val="dk1"/>
+          </a:fillRef>
+          <a:effectRef idx="0">
+            <a:schemeClr val="dk1"/>
+          </a:effectRef>
+          <a:fontRef idx="minor">
+            <a:schemeClr val="tx1"/>
+          </a:fontRef>
+        </p:style>
+      </p:cxnSp>
     </p:spTree>
     <p:extLst>
       <p:ext uri="{BB962C8B-B14F-4D97-AF65-F5344CB8AC3E}">

--- a/_Experiments/_PROTOCOLs/_Surgery/_templates/RPC-EMG layout.pptx
+++ b/_Experiments/_PROTOCOLs/_Surgery/_templates/RPC-EMG layout.pptx
@@ -192,7 +192,7 @@
           <a:p>
             <a:fld id="{46F8F2C1-8A14-4773-BC69-077AA6BEF8AA}" type="datetimeFigureOut">
               <a:rPr lang="en-US" smtClean="0"/>
-              <a:t>11/3/2016</a:t>
+              <a:t>5/3/2017</a:t>
             </a:fld>
             <a:endParaRPr lang="en-US"/>
           </a:p>
@@ -725,7 +725,7 @@
           <a:p>
             <a:fld id="{A4E24B33-863B-4BDB-B3BB-1315F1051867}" type="datetimeFigureOut">
               <a:rPr lang="en-US" smtClean="0"/>
-              <a:t>11/3/2016</a:t>
+              <a:t>5/3/2017</a:t>
             </a:fld>
             <a:endParaRPr lang="en-US"/>
           </a:p>
@@ -895,7 +895,7 @@
           <a:p>
             <a:fld id="{A4E24B33-863B-4BDB-B3BB-1315F1051867}" type="datetimeFigureOut">
               <a:rPr lang="en-US" smtClean="0"/>
-              <a:t>11/3/2016</a:t>
+              <a:t>5/3/2017</a:t>
             </a:fld>
             <a:endParaRPr lang="en-US"/>
           </a:p>
@@ -1075,7 +1075,7 @@
           <a:p>
             <a:fld id="{A4E24B33-863B-4BDB-B3BB-1315F1051867}" type="datetimeFigureOut">
               <a:rPr lang="en-US" smtClean="0"/>
-              <a:t>11/3/2016</a:t>
+              <a:t>5/3/2017</a:t>
             </a:fld>
             <a:endParaRPr lang="en-US"/>
           </a:p>
@@ -1245,7 +1245,7 @@
           <a:p>
             <a:fld id="{A4E24B33-863B-4BDB-B3BB-1315F1051867}" type="datetimeFigureOut">
               <a:rPr lang="en-US" smtClean="0"/>
-              <a:t>11/3/2016</a:t>
+              <a:t>5/3/2017</a:t>
             </a:fld>
             <a:endParaRPr lang="en-US"/>
           </a:p>
@@ -1491,7 +1491,7 @@
           <a:p>
             <a:fld id="{A4E24B33-863B-4BDB-B3BB-1315F1051867}" type="datetimeFigureOut">
               <a:rPr lang="en-US" smtClean="0"/>
-              <a:t>11/3/2016</a:t>
+              <a:t>5/3/2017</a:t>
             </a:fld>
             <a:endParaRPr lang="en-US"/>
           </a:p>
@@ -1779,7 +1779,7 @@
           <a:p>
             <a:fld id="{A4E24B33-863B-4BDB-B3BB-1315F1051867}" type="datetimeFigureOut">
               <a:rPr lang="en-US" smtClean="0"/>
-              <a:t>11/3/2016</a:t>
+              <a:t>5/3/2017</a:t>
             </a:fld>
             <a:endParaRPr lang="en-US"/>
           </a:p>
@@ -2201,7 +2201,7 @@
           <a:p>
             <a:fld id="{A4E24B33-863B-4BDB-B3BB-1315F1051867}" type="datetimeFigureOut">
               <a:rPr lang="en-US" smtClean="0"/>
-              <a:t>11/3/2016</a:t>
+              <a:t>5/3/2017</a:t>
             </a:fld>
             <a:endParaRPr lang="en-US"/>
           </a:p>
@@ -2319,7 +2319,7 @@
           <a:p>
             <a:fld id="{A4E24B33-863B-4BDB-B3BB-1315F1051867}" type="datetimeFigureOut">
               <a:rPr lang="en-US" smtClean="0"/>
-              <a:t>11/3/2016</a:t>
+              <a:t>5/3/2017</a:t>
             </a:fld>
             <a:endParaRPr lang="en-US"/>
           </a:p>
@@ -2414,7 +2414,7 @@
           <a:p>
             <a:fld id="{A4E24B33-863B-4BDB-B3BB-1315F1051867}" type="datetimeFigureOut">
               <a:rPr lang="en-US" smtClean="0"/>
-              <a:t>11/3/2016</a:t>
+              <a:t>5/3/2017</a:t>
             </a:fld>
             <a:endParaRPr lang="en-US"/>
           </a:p>
@@ -2691,7 +2691,7 @@
           <a:p>
             <a:fld id="{A4E24B33-863B-4BDB-B3BB-1315F1051867}" type="datetimeFigureOut">
               <a:rPr lang="en-US" smtClean="0"/>
-              <a:t>11/3/2016</a:t>
+              <a:t>5/3/2017</a:t>
             </a:fld>
             <a:endParaRPr lang="en-US"/>
           </a:p>
@@ -2944,7 +2944,7 @@
           <a:p>
             <a:fld id="{A4E24B33-863B-4BDB-B3BB-1315F1051867}" type="datetimeFigureOut">
               <a:rPr lang="en-US" smtClean="0"/>
-              <a:t>11/3/2016</a:t>
+              <a:t>5/3/2017</a:t>
             </a:fld>
             <a:endParaRPr lang="en-US"/>
           </a:p>
@@ -3157,7 +3157,7 @@
           <a:p>
             <a:fld id="{A4E24B33-863B-4BDB-B3BB-1315F1051867}" type="datetimeFigureOut">
               <a:rPr lang="en-US" smtClean="0"/>
-              <a:t>11/3/2016</a:t>
+              <a:t>5/3/2017</a:t>
             </a:fld>
             <a:endParaRPr lang="en-US"/>
           </a:p>
@@ -4845,6 +4845,330 @@
           </a:fontRef>
         </p:style>
       </p:cxnSp>
+      <mc:AlternateContent xmlns:mc="http://schemas.openxmlformats.org/markup-compatibility/2006">
+        <mc:Choice xmlns:a14="http://schemas.microsoft.com/office/drawing/2010/main" Requires="a14">
+          <p:sp>
+            <p:nvSpPr>
+              <p:cNvPr id="27" name="TextBox 10"/>
+              <p:cNvSpPr txBox="1"/>
+              <p:nvPr/>
+            </p:nvSpPr>
+            <p:spPr>
+              <a:xfrm>
+                <a:off x="4555067" y="4724400"/>
+                <a:ext cx="2495550" cy="355162"/>
+              </a:xfrm>
+              <a:prstGeom prst="rect">
+                <a:avLst/>
+              </a:prstGeom>
+              <a:noFill/>
+            </p:spPr>
+            <p:style>
+              <a:lnRef idx="0">
+                <a:scrgbClr r="0" g="0" b="0"/>
+              </a:lnRef>
+              <a:fillRef idx="0">
+                <a:scrgbClr r="0" g="0" b="0"/>
+              </a:fillRef>
+              <a:effectRef idx="0">
+                <a:scrgbClr r="0" g="0" b="0"/>
+              </a:effectRef>
+              <a:fontRef idx="minor">
+                <a:schemeClr val="tx1"/>
+              </a:fontRef>
+            </p:style>
+            <p:txBody>
+              <a:bodyPr wrap="square" rtlCol="0" anchor="t">
+                <a:spAutoFit/>
+              </a:bodyPr>
+              <a:lstStyle>
+                <a:lvl1pPr marL="0" indent="0">
+                  <a:defRPr sz="1100">
+                    <a:solidFill>
+                      <a:schemeClr val="tx1"/>
+                    </a:solidFill>
+                    <a:latin typeface="+mn-lt"/>
+                    <a:ea typeface="+mn-ea"/>
+                    <a:cs typeface="+mn-cs"/>
+                  </a:defRPr>
+                </a:lvl1pPr>
+                <a:lvl2pPr marL="457200" indent="0">
+                  <a:defRPr sz="1100">
+                    <a:solidFill>
+                      <a:schemeClr val="tx1"/>
+                    </a:solidFill>
+                    <a:latin typeface="+mn-lt"/>
+                    <a:ea typeface="+mn-ea"/>
+                    <a:cs typeface="+mn-cs"/>
+                  </a:defRPr>
+                </a:lvl2pPr>
+                <a:lvl3pPr marL="914400" indent="0">
+                  <a:defRPr sz="1100">
+                    <a:solidFill>
+                      <a:schemeClr val="tx1"/>
+                    </a:solidFill>
+                    <a:latin typeface="+mn-lt"/>
+                    <a:ea typeface="+mn-ea"/>
+                    <a:cs typeface="+mn-cs"/>
+                  </a:defRPr>
+                </a:lvl3pPr>
+                <a:lvl4pPr marL="1371600" indent="0">
+                  <a:defRPr sz="1100">
+                    <a:solidFill>
+                      <a:schemeClr val="tx1"/>
+                    </a:solidFill>
+                    <a:latin typeface="+mn-lt"/>
+                    <a:ea typeface="+mn-ea"/>
+                    <a:cs typeface="+mn-cs"/>
+                  </a:defRPr>
+                </a:lvl4pPr>
+                <a:lvl5pPr marL="1828800" indent="0">
+                  <a:defRPr sz="1100">
+                    <a:solidFill>
+                      <a:schemeClr val="tx1"/>
+                    </a:solidFill>
+                    <a:latin typeface="+mn-lt"/>
+                    <a:ea typeface="+mn-ea"/>
+                    <a:cs typeface="+mn-cs"/>
+                  </a:defRPr>
+                </a:lvl5pPr>
+                <a:lvl6pPr marL="2286000" indent="0">
+                  <a:defRPr sz="1100">
+                    <a:solidFill>
+                      <a:schemeClr val="tx1"/>
+                    </a:solidFill>
+                    <a:latin typeface="+mn-lt"/>
+                    <a:ea typeface="+mn-ea"/>
+                    <a:cs typeface="+mn-cs"/>
+                  </a:defRPr>
+                </a:lvl6pPr>
+                <a:lvl7pPr marL="2743200" indent="0">
+                  <a:defRPr sz="1100">
+                    <a:solidFill>
+                      <a:schemeClr val="tx1"/>
+                    </a:solidFill>
+                    <a:latin typeface="+mn-lt"/>
+                    <a:ea typeface="+mn-ea"/>
+                    <a:cs typeface="+mn-cs"/>
+                  </a:defRPr>
+                </a:lvl7pPr>
+                <a:lvl8pPr marL="3200400" indent="0">
+                  <a:defRPr sz="1100">
+                    <a:solidFill>
+                      <a:schemeClr val="tx1"/>
+                    </a:solidFill>
+                    <a:latin typeface="+mn-lt"/>
+                    <a:ea typeface="+mn-ea"/>
+                    <a:cs typeface="+mn-cs"/>
+                  </a:defRPr>
+                </a:lvl8pPr>
+                <a:lvl9pPr marL="3657600" indent="0">
+                  <a:defRPr sz="1100">
+                    <a:solidFill>
+                      <a:schemeClr val="tx1"/>
+                    </a:solidFill>
+                    <a:latin typeface="+mn-lt"/>
+                    <a:ea typeface="+mn-ea"/>
+                    <a:cs typeface="+mn-cs"/>
+                  </a:defRPr>
+                </a:lvl9pPr>
+              </a:lstStyle>
+              <a:p>
+                <a:r>
+                  <a:rPr lang="en-US" sz="1100"/>
+                  <a:t>Adjust</a:t>
+                </a:r>
+                <a:r>
+                  <a:rPr lang="en-US" sz="1100" baseline="0"/>
+                  <a:t> ratio </a:t>
+                </a:r>
+                <a14:m>
+                  <m:oMath xmlns:m="http://schemas.openxmlformats.org/officeDocument/2006/math">
+                    <m:r>
+                      <a:rPr lang="en-US" sz="1100" i="1">
+                        <a:latin typeface="Cambria Math"/>
+                      </a:rPr>
+                      <m:t>=</m:t>
+                    </m:r>
+                    <m:f>
+                      <m:fPr>
+                        <m:ctrlPr>
+                          <a:rPr lang="en-US" sz="1100" i="1">
+                            <a:latin typeface="Cambria Math"/>
+                          </a:rPr>
+                        </m:ctrlPr>
+                      </m:fPr>
+                      <m:num>
+                        <m:r>
+                          <a:rPr lang="en-US" sz="1100" b="0" i="1">
+                            <a:latin typeface="Cambria Math"/>
+                          </a:rPr>
+                          <m:t>𝑀𝑒𝑎𝑠𝑢𝑟𝑒𝑑</m:t>
+                        </m:r>
+                        <m:r>
+                          <a:rPr lang="en-US" sz="1100" b="0" i="1">
+                            <a:latin typeface="Cambria Math"/>
+                          </a:rPr>
+                          <m:t> </m:t>
+                        </m:r>
+                        <m:r>
+                          <a:rPr lang="en-US" sz="1100" b="0" i="1">
+                            <a:latin typeface="Cambria Math"/>
+                          </a:rPr>
+                          <m:t>𝑋</m:t>
+                        </m:r>
+                        <m:r>
+                          <a:rPr lang="en-US" sz="1100" b="0" i="1">
+                            <a:latin typeface="Cambria Math"/>
+                          </a:rPr>
+                          <m:t> </m:t>
+                        </m:r>
+                        <m:r>
+                          <a:rPr lang="en-US" sz="1100" b="0" i="1" baseline="-25000">
+                            <a:latin typeface="Cambria Math"/>
+                          </a:rPr>
+                          <m:t>𝐵</m:t>
+                        </m:r>
+                        <m:r>
+                          <a:rPr lang="en-US" sz="1100" b="0" i="1" baseline="-25000">
+                            <a:latin typeface="Cambria Math"/>
+                          </a:rPr>
+                          <m:t>−</m:t>
+                        </m:r>
+                        <m:r>
+                          <a:rPr lang="en-US" sz="1100" b="0" i="1" baseline="-25000">
+                            <a:latin typeface="Cambria Math"/>
+                          </a:rPr>
+                          <m:t>𝐿</m:t>
+                        </m:r>
+                      </m:num>
+                      <m:den>
+                        <m:r>
+                          <a:rPr lang="en-US" sz="1100" b="0" i="1">
+                            <a:latin typeface="Cambria Math"/>
+                          </a:rPr>
+                          <m:t>𝑅𝑒𝑓𝑒𝑟𝑒𝑛𝑐𝑒</m:t>
+                        </m:r>
+                        <m:r>
+                          <a:rPr lang="en-US" sz="1100" b="0" i="1">
+                            <a:solidFill>
+                              <a:schemeClr val="tx1"/>
+                            </a:solidFill>
+                            <a:effectLst/>
+                            <a:latin typeface="Cambria Math"/>
+                            <a:ea typeface="+mn-ea"/>
+                            <a:cs typeface="+mn-cs"/>
+                          </a:rPr>
+                          <m:t> </m:t>
+                        </m:r>
+                        <m:r>
+                          <a:rPr lang="en-US" sz="1100" b="0" i="1">
+                            <a:solidFill>
+                              <a:schemeClr val="tx1"/>
+                            </a:solidFill>
+                            <a:effectLst/>
+                            <a:latin typeface="Cambria Math"/>
+                            <a:ea typeface="+mn-ea"/>
+                            <a:cs typeface="+mn-cs"/>
+                          </a:rPr>
+                          <m:t>𝑋</m:t>
+                        </m:r>
+                        <m:r>
+                          <a:rPr lang="en-US" sz="1100" b="0" i="1">
+                            <a:solidFill>
+                              <a:schemeClr val="tx1"/>
+                            </a:solidFill>
+                            <a:effectLst/>
+                            <a:latin typeface="Cambria Math"/>
+                            <a:ea typeface="+mn-ea"/>
+                            <a:cs typeface="+mn-cs"/>
+                          </a:rPr>
+                          <m:t> </m:t>
+                        </m:r>
+                        <m:r>
+                          <a:rPr lang="en-US" sz="1100" b="0" i="1" baseline="-25000">
+                            <a:solidFill>
+                              <a:schemeClr val="tx1"/>
+                            </a:solidFill>
+                            <a:effectLst/>
+                            <a:latin typeface="Cambria Math"/>
+                            <a:ea typeface="+mn-ea"/>
+                            <a:cs typeface="+mn-cs"/>
+                          </a:rPr>
+                          <m:t>𝐵</m:t>
+                        </m:r>
+                        <m:r>
+                          <a:rPr lang="en-US" sz="1100" b="0" i="1" baseline="-25000">
+                            <a:solidFill>
+                              <a:schemeClr val="tx1"/>
+                            </a:solidFill>
+                            <a:effectLst/>
+                            <a:latin typeface="Cambria Math"/>
+                            <a:ea typeface="+mn-ea"/>
+                            <a:cs typeface="+mn-cs"/>
+                          </a:rPr>
+                          <m:t>−</m:t>
+                        </m:r>
+                        <m:r>
+                          <a:rPr lang="en-US" sz="1100" b="0" i="1" baseline="-25000">
+                            <a:solidFill>
+                              <a:schemeClr val="tx1"/>
+                            </a:solidFill>
+                            <a:effectLst/>
+                            <a:latin typeface="Cambria Math"/>
+                            <a:ea typeface="+mn-ea"/>
+                            <a:cs typeface="+mn-cs"/>
+                          </a:rPr>
+                          <m:t>𝐿</m:t>
+                        </m:r>
+                      </m:den>
+                    </m:f>
+                  </m:oMath>
+                </a14:m>
+                <a:endParaRPr lang="en-US" sz="1100"/>
+              </a:p>
+            </p:txBody>
+          </p:sp>
+        </mc:Choice>
+        <mc:Fallback>
+          <p:sp>
+            <p:nvSpPr>
+              <p:cNvPr id="27" name="TextBox 10"/>
+              <p:cNvSpPr txBox="1">
+                <a:spLocks noRot="1" noChangeAspect="1" noMove="1" noResize="1" noEditPoints="1" noAdjustHandles="1" noChangeArrowheads="1" noChangeShapeType="1" noTextEdit="1"/>
+              </p:cNvSpPr>
+              <p:nvPr/>
+            </p:nvSpPr>
+            <p:spPr>
+              <a:xfrm>
+                <a:off x="4555067" y="4724400"/>
+                <a:ext cx="2495550" cy="355162"/>
+              </a:xfrm>
+              <a:prstGeom prst="rect">
+                <a:avLst/>
+              </a:prstGeom>
+              <a:blipFill rotWithShape="1">
+                <a:blip r:embed="rId4"/>
+                <a:stretch>
+                  <a:fillRect b="-3448"/>
+                </a:stretch>
+              </a:blipFill>
+            </p:spPr>
+            <p:txBody>
+              <a:bodyPr/>
+              <a:lstStyle/>
+              <a:p>
+                <a:r>
+                  <a:rPr lang="en-US">
+                    <a:noFill/>
+                  </a:rPr>
+                  <a:t> </a:t>
+                </a:r>
+              </a:p>
+            </p:txBody>
+          </p:sp>
+        </mc:Fallback>
+      </mc:AlternateContent>
     </p:spTree>
     <p:extLst>
       <p:ext uri="{BB962C8B-B14F-4D97-AF65-F5344CB8AC3E}">
